--- a/פרויקט.pptx
+++ b/פרויקט.pptx
@@ -5,7 +5,7 @@
     <p:sldMasterId id="2147483708" r:id="rId1"/>
   </p:sldMasterIdLst>
   <p:notesMasterIdLst>
-    <p:notesMasterId r:id="rId28"/>
+    <p:notesMasterId r:id="rId29"/>
   </p:notesMasterIdLst>
   <p:sldIdLst>
     <p:sldId id="256" r:id="rId2"/>
@@ -32,8 +32,9 @@
     <p:sldId id="261" r:id="rId23"/>
     <p:sldId id="280" r:id="rId24"/>
     <p:sldId id="281" r:id="rId25"/>
-    <p:sldId id="262" r:id="rId26"/>
-    <p:sldId id="263" r:id="rId27"/>
+    <p:sldId id="282" r:id="rId26"/>
+    <p:sldId id="262" r:id="rId27"/>
+    <p:sldId id="263" r:id="rId28"/>
   </p:sldIdLst>
   <p:sldSz cx="12192000" cy="6858000"/>
   <p:notesSz cx="6858000" cy="9144000"/>
@@ -3722,6 +3723,13 @@
   <p:clrMapOvr>
     <a:masterClrMapping/>
   </p:clrMapOvr>
+  <p:timing>
+    <p:tnLst>
+      <p:par>
+        <p:cTn id="1" dur="indefinite" restart="never" nodeType="tmRoot"/>
+      </p:par>
+    </p:tnLst>
+  </p:timing>
 </p:sld>
 </file>
 
@@ -4101,6 +4109,13 @@
   <p:clrMapOvr>
     <a:masterClrMapping/>
   </p:clrMapOvr>
+  <p:timing>
+    <p:tnLst>
+      <p:par>
+        <p:cTn id="1" dur="indefinite" restart="never" nodeType="tmRoot"/>
+      </p:par>
+    </p:tnLst>
+  </p:timing>
 </p:sld>
 </file>
 
@@ -4477,6 +4492,13 @@
   <p:clrMapOvr>
     <a:masterClrMapping/>
   </p:clrMapOvr>
+  <p:timing>
+    <p:tnLst>
+      <p:par>
+        <p:cTn id="1" dur="indefinite" restart="never" nodeType="tmRoot"/>
+      </p:par>
+    </p:tnLst>
+  </p:timing>
 </p:sld>
 </file>
 
@@ -4931,6 +4953,13 @@
   <p:clrMapOvr>
     <a:masterClrMapping/>
   </p:clrMapOvr>
+  <p:timing>
+    <p:tnLst>
+      <p:par>
+        <p:cTn id="1" dur="indefinite" restart="never" nodeType="tmRoot"/>
+      </p:par>
+    </p:tnLst>
+  </p:timing>
 </p:sld>
 </file>
 
@@ -5407,6 +5436,13 @@
   <p:clrMapOvr>
     <a:masterClrMapping/>
   </p:clrMapOvr>
+  <p:timing>
+    <p:tnLst>
+      <p:par>
+        <p:cTn id="1" dur="indefinite" restart="never" nodeType="tmRoot"/>
+      </p:par>
+    </p:tnLst>
+  </p:timing>
 </p:sld>
 </file>
 
@@ -5822,6 +5858,13 @@
   <p:clrMapOvr>
     <a:masterClrMapping/>
   </p:clrMapOvr>
+  <p:timing>
+    <p:tnLst>
+      <p:par>
+        <p:cTn id="1" dur="indefinite" restart="never" nodeType="tmRoot"/>
+      </p:par>
+    </p:tnLst>
+  </p:timing>
 </p:sld>
 </file>
 
@@ -6257,6 +6300,13 @@
   <p:clrMapOvr>
     <a:masterClrMapping/>
   </p:clrMapOvr>
+  <p:timing>
+    <p:tnLst>
+      <p:par>
+        <p:cTn id="1" dur="indefinite" restart="never" nodeType="tmRoot"/>
+      </p:par>
+    </p:tnLst>
+  </p:timing>
 </p:sld>
 </file>
 
@@ -6363,8 +6413,12 @@
               <a:buNone/>
             </a:pPr>
             <a:r>
+              <a:rPr lang="he-IL" dirty="0" smtClean="0"/>
+              <a:t>חיזוי </a:t>
+            </a:r>
+            <a:r>
               <a:rPr lang="he-IL" dirty="0"/>
-              <a:t>חזיית מילים שכנות לפי מילה נוכחית:</a:t>
+              <a:t>מילים שכנות לפי מילה נוכחית:</a:t>
             </a:r>
           </a:p>
           <a:p>
@@ -6645,6 +6699,13 @@
   <p:clrMapOvr>
     <a:masterClrMapping/>
   </p:clrMapOvr>
+  <p:timing>
+    <p:tnLst>
+      <p:par>
+        <p:cTn id="1" dur="indefinite" restart="never" nodeType="tmRoot"/>
+      </p:par>
+    </p:tnLst>
+  </p:timing>
 </p:sld>
 </file>
 
@@ -7082,6 +7143,13 @@
   <p:clrMapOvr>
     <a:masterClrMapping/>
   </p:clrMapOvr>
+  <p:timing>
+    <p:tnLst>
+      <p:par>
+        <p:cTn id="1" dur="indefinite" restart="never" nodeType="tmRoot"/>
+      </p:par>
+    </p:tnLst>
+  </p:timing>
 </p:sld>
 </file>
 
@@ -7518,6 +7586,13 @@
   <p:clrMapOvr>
     <a:masterClrMapping/>
   </p:clrMapOvr>
+  <p:timing>
+    <p:tnLst>
+      <p:par>
+        <p:cTn id="1" dur="indefinite" restart="never" nodeType="tmRoot"/>
+      </p:par>
+    </p:tnLst>
+  </p:timing>
 </p:sld>
 </file>
 
@@ -7903,6 +7978,13 @@
   <p:clrMapOvr>
     <a:masterClrMapping/>
   </p:clrMapOvr>
+  <p:timing>
+    <p:tnLst>
+      <p:par>
+        <p:cTn id="1" dur="indefinite" restart="never" nodeType="tmRoot"/>
+      </p:par>
+    </p:tnLst>
+  </p:timing>
 </p:sld>
 </file>
 
@@ -8051,6 +8133,13 @@
   <p:clrMapOvr>
     <a:masterClrMapping/>
   </p:clrMapOvr>
+  <p:timing>
+    <p:tnLst>
+      <p:par>
+        <p:cTn id="1" dur="indefinite" restart="never" nodeType="tmRoot"/>
+      </p:par>
+    </p:tnLst>
+  </p:timing>
 </p:sld>
 </file>
 
@@ -8448,6 +8537,13 @@
   <p:clrMapOvr>
     <a:masterClrMapping/>
   </p:clrMapOvr>
+  <p:timing>
+    <p:tnLst>
+      <p:par>
+        <p:cTn id="1" dur="indefinite" restart="never" nodeType="tmRoot"/>
+      </p:par>
+    </p:tnLst>
+  </p:timing>
 </p:sld>
 </file>
 
@@ -8923,6 +9019,13 @@
   <p:clrMapOvr>
     <a:masterClrMapping/>
   </p:clrMapOvr>
+  <p:timing>
+    <p:tnLst>
+      <p:par>
+        <p:cTn id="1" dur="indefinite" restart="never" nodeType="tmRoot"/>
+      </p:par>
+    </p:tnLst>
+  </p:timing>
 </p:sld>
 </file>
 
@@ -9312,6 +9415,13 @@
   <p:clrMapOvr>
     <a:masterClrMapping/>
   </p:clrMapOvr>
+  <p:timing>
+    <p:tnLst>
+      <p:par>
+        <p:cTn id="1" dur="indefinite" restart="never" nodeType="tmRoot"/>
+      </p:par>
+    </p:tnLst>
+  </p:timing>
 </p:sld>
 </file>
 
@@ -9367,12 +9477,17 @@
           <a:bodyPr/>
           <a:lstStyle/>
           <a:p>
+            <a:pPr algn="r"/>
             <a:r>
               <a:rPr lang="he-IL" dirty="0"/>
-              <a:t>איך הפרויקט שלי משתמש ב</a:t>
-            </a:r>
-            <a:r>
-              <a:rPr lang="en-US" dirty="0"/>
+              <a:t>איך הפרויקט שלי משתמש </a:t>
+            </a:r>
+            <a:r>
+              <a:rPr lang="he-IL" dirty="0" smtClean="0"/>
+              <a:t>ב-</a:t>
+            </a:r>
+            <a:r>
+              <a:rPr lang="en-US" dirty="0" smtClean="0"/>
               <a:t>word2vec</a:t>
             </a:r>
             <a:endParaRPr lang="he-IL" dirty="0"/>
@@ -10154,6 +10269,13 @@
   <p:clrMapOvr>
     <a:masterClrMapping/>
   </p:clrMapOvr>
+  <p:timing>
+    <p:tnLst>
+      <p:par>
+        <p:cTn id="1" dur="indefinite" restart="never" nodeType="tmRoot"/>
+      </p:par>
+    </p:tnLst>
+  </p:timing>
 </p:sld>
 </file>
 
@@ -10209,12 +10331,17 @@
           <a:bodyPr/>
           <a:lstStyle/>
           <a:p>
+            <a:pPr algn="r"/>
             <a:r>
               <a:rPr lang="he-IL" dirty="0"/>
-              <a:t>איך הפרויקט שלי משתמש ב</a:t>
-            </a:r>
-            <a:r>
-              <a:rPr lang="en-US" dirty="0"/>
+              <a:t>איך הפרויקט שלי משתמש </a:t>
+            </a:r>
+            <a:r>
+              <a:rPr lang="he-IL" dirty="0" smtClean="0"/>
+              <a:t>ב-</a:t>
+            </a:r>
+            <a:r>
+              <a:rPr lang="en-US" dirty="0" smtClean="0"/>
               <a:t>word2vec</a:t>
             </a:r>
             <a:endParaRPr lang="he-IL" dirty="0"/>
@@ -10251,7 +10378,11 @@
             </a:pPr>
             <a:r>
               <a:rPr lang="he-IL" dirty="0"/>
-              <a:t>נתינת רמז:</a:t>
+              <a:t>נתינת </a:t>
+            </a:r>
+            <a:r>
+              <a:rPr lang="he-IL" dirty="0" smtClean="0"/>
+              <a:t>רמז: </a:t>
             </a:r>
           </a:p>
           <a:p>
@@ -10261,9 +10392,18 @@
               </a:lnSpc>
             </a:pPr>
             <a:r>
+              <a:rPr lang="he-IL" dirty="0" smtClean="0"/>
+              <a:t>יצירת </a:t>
+            </a:r>
+            <a:r>
               <a:rPr lang="he-IL" dirty="0"/>
-              <a:t>יצירת זוגות ושלשות מילים דומות</a:t>
-            </a:r>
+              <a:t>זוגות ושלשות מילים </a:t>
+            </a:r>
+            <a:r>
+              <a:rPr lang="he-IL" dirty="0" smtClean="0"/>
+              <a:t>דומות</a:t>
+            </a:r>
+            <a:endParaRPr lang="he-IL" dirty="0"/>
           </a:p>
           <a:p>
             <a:pPr>
@@ -10324,6 +10464,13 @@
   <p:clrMapOvr>
     <a:masterClrMapping/>
   </p:clrMapOvr>
+  <p:timing>
+    <p:tnLst>
+      <p:par>
+        <p:cTn id="1" dur="indefinite" restart="never" nodeType="tmRoot"/>
+      </p:par>
+    </p:tnLst>
+  </p:timing>
 </p:sld>
 </file>
 
@@ -10363,7 +10510,7 @@
           <p:cNvPr id="2" name="כותרת 1">
             <a:extLst>
               <a:ext uri="{FF2B5EF4-FFF2-40B4-BE49-F238E27FC236}">
-                <a16:creationId xmlns:a16="http://schemas.microsoft.com/office/drawing/2014/main" id="{95C1B911-E463-4536-87BD-175D2B2E5984}"/>
+                <a16:creationId xmlns:a16="http://schemas.microsoft.com/office/drawing/2014/main" id="{74B7BA04-F299-48DB-B65A-A346FF0D58A1}"/>
               </a:ext>
             </a:extLst>
           </p:cNvPr>
@@ -10382,8 +10529,17 @@
             <a:pPr algn="r"/>
             <a:r>
               <a:rPr lang="he-IL" dirty="0"/>
-              <a:t>אתגר שני: ניהול הפרויקט</a:t>
-            </a:r>
+              <a:t>איך הפרויקט שלי משתמש </a:t>
+            </a:r>
+            <a:r>
+              <a:rPr lang="he-IL" dirty="0" smtClean="0"/>
+              <a:t>ב-</a:t>
+            </a:r>
+            <a:r>
+              <a:rPr lang="en-US" dirty="0" smtClean="0"/>
+              <a:t>word2vec</a:t>
+            </a:r>
+            <a:endParaRPr lang="he-IL" dirty="0"/>
           </a:p>
         </p:txBody>
       </p:sp>
@@ -10392,7 +10548,7 @@
           <p:cNvPr id="3" name="מציין מיקום תוכן 2">
             <a:extLst>
               <a:ext uri="{FF2B5EF4-FFF2-40B4-BE49-F238E27FC236}">
-                <a16:creationId xmlns:a16="http://schemas.microsoft.com/office/drawing/2014/main" id="{3159E682-4606-46AC-B9FE-2B7EECC40907}"/>
+                <a16:creationId xmlns:a16="http://schemas.microsoft.com/office/drawing/2014/main" id="{423CE251-BF79-4517-ACFC-E091C5E1313A}"/>
               </a:ext>
             </a:extLst>
           </p:cNvPr>
@@ -10405,37 +10561,102 @@
         </p:nvSpPr>
         <p:spPr/>
         <p:txBody>
-          <a:bodyPr/>
+          <a:bodyPr>
+            <a:normAutofit fontScale="77500" lnSpcReduction="20000"/>
+          </a:bodyPr>
           <a:lstStyle/>
           <a:p>
+            <a:pPr>
+              <a:lnSpc>
+                <a:spcPct val="150000"/>
+              </a:lnSpc>
+            </a:pPr>
+            <a:r>
+              <a:rPr lang="he-IL" dirty="0" smtClean="0"/>
+              <a:t>דוגמת הרצה:</a:t>
+            </a:r>
+          </a:p>
+          <a:p>
+            <a:pPr algn="l" rtl="0"/>
+            <a:r>
+              <a:rPr lang="en-US" dirty="0" smtClean="0"/>
+              <a:t>Giving </a:t>
+            </a:r>
+            <a:r>
+              <a:rPr lang="en-US" dirty="0"/>
+              <a:t>clue for: ('horseshoe', 'park')  </a:t>
+            </a:r>
+          </a:p>
+          <a:p>
+            <a:pPr algn="l" rtl="0"/>
+            <a:r>
+              <a:rPr lang="en-US" dirty="0"/>
+              <a:t>Foreign word beach was too similar. Removing clue: lake</a:t>
+            </a:r>
+          </a:p>
+          <a:p>
+            <a:pPr algn="l" rtl="0"/>
+            <a:r>
+              <a:rPr lang="en-US" dirty="0"/>
+              <a:t>Foreign word beach was too similar. Removing clue: recreation</a:t>
+            </a:r>
+          </a:p>
+          <a:p>
+            <a:pPr algn="l" rtl="0"/>
+            <a:r>
+              <a:rPr lang="en-US" dirty="0"/>
+              <a:t>Foreign word beach was too similar. Removing clue: recreational</a:t>
+            </a:r>
+          </a:p>
+          <a:p>
+            <a:pPr algn="l" rtl="0"/>
+            <a:r>
+              <a:rPr lang="en-US" dirty="0"/>
+              <a:t>Foreign word beach was too similar. Removing clue: beach</a:t>
+            </a:r>
+          </a:p>
+          <a:p>
+            <a:pPr algn="l" rtl="0"/>
+            <a:r>
+              <a:rPr lang="en-US" dirty="0"/>
+              <a:t>Foreign word compound was too similar. Removing clue: tent</a:t>
+            </a:r>
+          </a:p>
+          <a:p>
+            <a:pPr algn="l" rtl="0"/>
+            <a:r>
+              <a:rPr lang="en-US" dirty="0"/>
+              <a:t>Clue is grass</a:t>
+            </a:r>
+          </a:p>
+          <a:p>
             <a:r>
               <a:rPr lang="he-IL" dirty="0"/>
-              <a:t>הסבר על </a:t>
-            </a:r>
-            <a:r>
-              <a:rPr lang="he-IL" dirty="0" err="1"/>
-              <a:t>אוביקט</a:t>
-            </a:r>
+              <a:t>בתרגום חופשי המערכת רוצה לתת "רמז" למילים 'פרסה' , 'פארק'</a:t>
+            </a:r>
+            <a:endParaRPr lang="en-US" dirty="0"/>
+          </a:p>
+          <a:p>
             <a:r>
               <a:rPr lang="he-IL" dirty="0"/>
-              <a:t> שמכל את מצב המשחק</a:t>
-            </a:r>
+              <a:t>המערכת נפלה מהרמז – אגם, בילוי, פנאי, חוף, מהמילה האסורה – חוף </a:t>
+            </a:r>
+            <a:endParaRPr lang="en-US" dirty="0"/>
           </a:p>
           <a:p>
             <a:r>
               <a:rPr lang="he-IL" dirty="0"/>
-              <a:t>והלקוח מתעדכן לפיו</a:t>
-            </a:r>
-          </a:p>
-          <a:p>
-            <a:r>
-              <a:rPr lang="he-IL" dirty="0" err="1"/>
-              <a:t>וכו</a:t>
-            </a:r>
-            <a:r>
-              <a:rPr lang="he-IL" dirty="0"/>
-              <a:t>....</a:t>
-            </a:r>
+              <a:t>בסוף ניתן הרמז – דשא.</a:t>
+            </a:r>
+            <a:endParaRPr lang="en-US" dirty="0"/>
+          </a:p>
+          <a:p>
+            <a:pPr>
+              <a:lnSpc>
+                <a:spcPct val="150000"/>
+              </a:lnSpc>
+            </a:pPr>
+            <a:endParaRPr lang="he-IL" dirty="0"/>
           </a:p>
           <a:p>
             <a:endParaRPr lang="he-IL" dirty="0"/>
@@ -10445,13 +10666,20 @@
     </p:spTree>
     <p:extLst>
       <p:ext uri="{BB962C8B-B14F-4D97-AF65-F5344CB8AC3E}">
-        <p14:creationId xmlns:p14="http://schemas.microsoft.com/office/powerpoint/2010/main" val="529926136"/>
+        <p14:creationId xmlns:p14="http://schemas.microsoft.com/office/powerpoint/2010/main" val="2139910593"/>
       </p:ext>
     </p:extLst>
   </p:cSld>
   <p:clrMapOvr>
     <a:masterClrMapping/>
   </p:clrMapOvr>
+  <p:timing>
+    <p:tnLst>
+      <p:par>
+        <p:cTn id="1" dur="indefinite" restart="never" nodeType="tmRoot"/>
+      </p:par>
+    </p:tnLst>
+  </p:timing>
 </p:sld>
 </file>
 
@@ -10491,6 +10719,158 @@
           <p:cNvPr id="2" name="כותרת 1">
             <a:extLst>
               <a:ext uri="{FF2B5EF4-FFF2-40B4-BE49-F238E27FC236}">
+                <a16:creationId xmlns:a16="http://schemas.microsoft.com/office/drawing/2014/main" id="{95C1B911-E463-4536-87BD-175D2B2E5984}"/>
+              </a:ext>
+            </a:extLst>
+          </p:cNvPr>
+          <p:cNvSpPr>
+            <a:spLocks noGrp="1"/>
+          </p:cNvSpPr>
+          <p:nvPr>
+            <p:ph type="title"/>
+          </p:nvPr>
+        </p:nvSpPr>
+        <p:spPr/>
+        <p:txBody>
+          <a:bodyPr/>
+          <a:lstStyle/>
+          <a:p>
+            <a:pPr algn="r"/>
+            <a:r>
+              <a:rPr lang="he-IL" dirty="0"/>
+              <a:t>אתגר שני: ניהול הפרויקט</a:t>
+            </a:r>
+          </a:p>
+        </p:txBody>
+      </p:sp>
+      <p:sp>
+        <p:nvSpPr>
+          <p:cNvPr id="3" name="מציין מיקום תוכן 2">
+            <a:extLst>
+              <a:ext uri="{FF2B5EF4-FFF2-40B4-BE49-F238E27FC236}">
+                <a16:creationId xmlns:a16="http://schemas.microsoft.com/office/drawing/2014/main" id="{3159E682-4606-46AC-B9FE-2B7EECC40907}"/>
+              </a:ext>
+            </a:extLst>
+          </p:cNvPr>
+          <p:cNvSpPr>
+            <a:spLocks noGrp="1"/>
+          </p:cNvSpPr>
+          <p:nvPr>
+            <p:ph idx="1"/>
+          </p:nvPr>
+        </p:nvSpPr>
+        <p:spPr/>
+        <p:txBody>
+          <a:bodyPr/>
+          <a:lstStyle/>
+          <a:p>
+            <a:r>
+              <a:rPr lang="he-IL" dirty="0" smtClean="0"/>
+              <a:t>בניית מחלקת </a:t>
+            </a:r>
+            <a:r>
+              <a:rPr lang="en-US" dirty="0" smtClean="0"/>
+              <a:t>Game</a:t>
+            </a:r>
+            <a:endParaRPr lang="he-IL" dirty="0" smtClean="0"/>
+          </a:p>
+          <a:p>
+            <a:r>
+              <a:rPr lang="he-IL" dirty="0" smtClean="0"/>
+              <a:t>אובייקט המכיל </a:t>
+            </a:r>
+            <a:r>
+              <a:rPr lang="he-IL" dirty="0"/>
+              <a:t>את מצב </a:t>
+            </a:r>
+            <a:r>
+              <a:rPr lang="he-IL" dirty="0" smtClean="0"/>
+              <a:t>המשחק </a:t>
+            </a:r>
+            <a:r>
+              <a:rPr lang="en-US" dirty="0" smtClean="0"/>
+              <a:t>Game status</a:t>
+            </a:r>
+            <a:endParaRPr lang="he-IL" dirty="0"/>
+          </a:p>
+          <a:p>
+            <a:r>
+              <a:rPr lang="he-IL" dirty="0"/>
+              <a:t>והלקוח מתעדכן </a:t>
+            </a:r>
+            <a:r>
+              <a:rPr lang="he-IL" dirty="0" smtClean="0"/>
+              <a:t>לפיו</a:t>
+            </a:r>
+          </a:p>
+          <a:p>
+            <a:r>
+              <a:rPr lang="he-IL" dirty="0" smtClean="0"/>
+              <a:t>קריאת שרת כל 2 שניות</a:t>
+            </a:r>
+            <a:endParaRPr lang="he-IL" dirty="0"/>
+          </a:p>
+          <a:p>
+            <a:endParaRPr lang="he-IL" dirty="0"/>
+          </a:p>
+        </p:txBody>
+      </p:sp>
+    </p:spTree>
+    <p:extLst>
+      <p:ext uri="{BB962C8B-B14F-4D97-AF65-F5344CB8AC3E}">
+        <p14:creationId xmlns:p14="http://schemas.microsoft.com/office/powerpoint/2010/main" val="529926136"/>
+      </p:ext>
+    </p:extLst>
+  </p:cSld>
+  <p:clrMapOvr>
+    <a:masterClrMapping/>
+  </p:clrMapOvr>
+  <p:timing>
+    <p:tnLst>
+      <p:par>
+        <p:cTn id="1" dur="indefinite" restart="never" nodeType="tmRoot"/>
+      </p:par>
+    </p:tnLst>
+  </p:timing>
+</p:sld>
+</file>
+
+<file path=ppt/slides/slide27.xml><?xml version="1.0" encoding="utf-8"?>
+<p:sld xmlns:a="http://schemas.openxmlformats.org/drawingml/2006/main" xmlns:r="http://schemas.openxmlformats.org/officeDocument/2006/relationships" xmlns:p="http://schemas.openxmlformats.org/presentationml/2006/main">
+  <p:cSld>
+    <p:bg>
+      <p:bgPr>
+        <a:blipFill dpi="0" rotWithShape="1">
+          <a:blip r:embed="rId2">
+            <a:lum/>
+          </a:blip>
+          <a:srcRect/>
+          <a:stretch>
+            <a:fillRect r="-30000"/>
+          </a:stretch>
+        </a:blipFill>
+        <a:effectLst/>
+      </p:bgPr>
+    </p:bg>
+    <p:spTree>
+      <p:nvGrpSpPr>
+        <p:cNvPr id="1" name=""/>
+        <p:cNvGrpSpPr/>
+        <p:nvPr/>
+      </p:nvGrpSpPr>
+      <p:grpSpPr>
+        <a:xfrm>
+          <a:off x="0" y="0"/>
+          <a:ext cx="0" cy="0"/>
+          <a:chOff x="0" y="0"/>
+          <a:chExt cx="0" cy="0"/>
+        </a:xfrm>
+      </p:grpSpPr>
+      <p:sp>
+        <p:nvSpPr>
+          <p:cNvPr id="2" name="כותרת 1">
+            <a:extLst>
+              <a:ext uri="{FF2B5EF4-FFF2-40B4-BE49-F238E27FC236}">
                 <a16:creationId xmlns:a16="http://schemas.microsoft.com/office/drawing/2014/main" id="{677C15F6-986C-49F5-9701-E463A943D2B5}"/>
               </a:ext>
             </a:extLst>
@@ -10507,6 +10887,7 @@
           <a:bodyPr/>
           <a:lstStyle/>
           <a:p>
+            <a:pPr algn="r"/>
             <a:r>
               <a:rPr lang="he-IL" dirty="0"/>
               <a:t>הצגה של ניהול המשחק </a:t>
@@ -10560,6 +10941,13 @@
   <p:clrMapOvr>
     <a:masterClrMapping/>
   </p:clrMapOvr>
+  <p:timing>
+    <p:tnLst>
+      <p:par>
+        <p:cTn id="1" dur="indefinite" restart="never" nodeType="tmRoot"/>
+      </p:par>
+    </p:tnLst>
+  </p:timing>
 </p:sld>
 </file>
 
@@ -10697,6 +11085,13 @@
   <p:clrMapOvr>
     <a:masterClrMapping/>
   </p:clrMapOvr>
+  <p:timing>
+    <p:tnLst>
+      <p:par>
+        <p:cTn id="1" dur="indefinite" restart="never" nodeType="tmRoot"/>
+      </p:par>
+    </p:tnLst>
+  </p:timing>
 </p:sld>
 </file>
 
@@ -10891,6 +11286,13 @@
   <p:clrMapOvr>
     <a:masterClrMapping/>
   </p:clrMapOvr>
+  <p:timing>
+    <p:tnLst>
+      <p:par>
+        <p:cTn id="1" dur="indefinite" restart="never" nodeType="tmRoot"/>
+      </p:par>
+    </p:tnLst>
+  </p:timing>
 </p:sld>
 </file>
 
@@ -11068,6 +11470,13 @@
   <p:clrMapOvr>
     <a:masterClrMapping/>
   </p:clrMapOvr>
+  <p:timing>
+    <p:tnLst>
+      <p:par>
+        <p:cTn id="1" dur="indefinite" restart="never" nodeType="tmRoot"/>
+      </p:par>
+    </p:tnLst>
+  </p:timing>
 </p:sld>
 </file>
 
@@ -11233,6 +11642,13 @@
   <p:clrMapOvr>
     <a:masterClrMapping/>
   </p:clrMapOvr>
+  <p:timing>
+    <p:tnLst>
+      <p:par>
+        <p:cTn id="1" dur="indefinite" restart="never" nodeType="tmRoot"/>
+      </p:par>
+    </p:tnLst>
+  </p:timing>
 </p:sld>
 </file>
 
@@ -11486,6 +11902,13 @@
   <p:clrMapOvr>
     <a:masterClrMapping/>
   </p:clrMapOvr>
+  <p:timing>
+    <p:tnLst>
+      <p:par>
+        <p:cTn id="1" dur="indefinite" restart="never" nodeType="tmRoot"/>
+      </p:par>
+    </p:tnLst>
+  </p:timing>
 </p:sld>
 </file>
 
@@ -11931,6 +12354,13 @@
   <p:clrMapOvr>
     <a:masterClrMapping/>
   </p:clrMapOvr>
+  <p:timing>
+    <p:tnLst>
+      <p:par>
+        <p:cTn id="1" dur="indefinite" restart="never" nodeType="tmRoot"/>
+      </p:par>
+    </p:tnLst>
+  </p:timing>
 </p:sld>
 </file>
 
@@ -12370,6 +12800,13 @@
   <p:clrMapOvr>
     <a:masterClrMapping/>
   </p:clrMapOvr>
+  <p:timing>
+    <p:tnLst>
+      <p:par>
+        <p:cTn id="1" dur="indefinite" restart="never" nodeType="tmRoot"/>
+      </p:par>
+    </p:tnLst>
+  </p:timing>
 </p:sld>
 </file>
 
